--- a/British Airways/Presentation Template - Task 1.pptx
+++ b/British Airways/Presentation Template - Task 1.pptx
@@ -6,7 +6,6 @@
   </p:sldMasterIdLst>
   <p:sldIdLst>
     <p:sldId id="256" r:id="rId2"/>
-    <p:sldId id="257" r:id="rId3"/>
   </p:sldIdLst>
   <p:sldSz cx="12192000" cy="6858000"/>
   <p:notesSz cx="6858000" cy="9144000"/>
@@ -107,7 +106,7 @@
   </p:defaultTextStyle>
   <p:extLst>
     <p:ext uri="{EFAFB233-063F-42B5-8137-9DF3F51BA10A}">
-      <p15:sldGuideLst xmlns:p15="http://schemas.microsoft.com/office/powerpoint/2012/main"/>
+      <p15:sldGuideLst xmlns:p15="http://schemas.microsoft.com/office/powerpoint/2012/main" xmlns=""/>
     </p:ext>
   </p:extLst>
 </p:presentation>
@@ -135,7 +134,7 @@
           <p:cNvPr id="2" name="Title 1">
             <a:extLst>
               <a:ext uri="{FF2B5EF4-FFF2-40B4-BE49-F238E27FC236}">
-                <a16:creationId xmlns:a16="http://schemas.microsoft.com/office/drawing/2014/main" id="{0E1CB125-2F04-85CC-B9E4-859AD27DD3DF}"/>
+                <a16:creationId xmlns:a16="http://schemas.microsoft.com/office/drawing/2014/main" xmlns="" id="{0E1CB125-2F04-85CC-B9E4-859AD27DD3DF}"/>
               </a:ext>
             </a:extLst>
           </p:cNvPr>
@@ -173,7 +172,7 @@
           <p:cNvPr id="3" name="Subtitle 2">
             <a:extLst>
               <a:ext uri="{FF2B5EF4-FFF2-40B4-BE49-F238E27FC236}">
-                <a16:creationId xmlns:a16="http://schemas.microsoft.com/office/drawing/2014/main" id="{968CF164-6A92-3964-A2E5-CD439A60E8D6}"/>
+                <a16:creationId xmlns:a16="http://schemas.microsoft.com/office/drawing/2014/main" xmlns="" id="{968CF164-6A92-3964-A2E5-CD439A60E8D6}"/>
               </a:ext>
             </a:extLst>
           </p:cNvPr>
@@ -244,7 +243,7 @@
           <p:cNvPr id="4" name="Date Placeholder 3">
             <a:extLst>
               <a:ext uri="{FF2B5EF4-FFF2-40B4-BE49-F238E27FC236}">
-                <a16:creationId xmlns:a16="http://schemas.microsoft.com/office/drawing/2014/main" id="{CF666AE8-A5E4-529C-376D-A7F21A81DCA8}"/>
+                <a16:creationId xmlns:a16="http://schemas.microsoft.com/office/drawing/2014/main" xmlns="" id="{CF666AE8-A5E4-529C-376D-A7F21A81DCA8}"/>
               </a:ext>
             </a:extLst>
           </p:cNvPr>
@@ -262,7 +261,7 @@
           <a:p>
             <a:fld id="{6670FE10-F406-47AF-8AE1-E9BA4C7E25F2}" type="datetimeFigureOut">
               <a:rPr lang="en-GB" smtClean="0"/>
-              <a:t>06/12/2022</a:t>
+              <a:t>02/02/2024</a:t>
             </a:fld>
             <a:endParaRPr lang="en-GB" dirty="0"/>
           </a:p>
@@ -273,7 +272,7 @@
           <p:cNvPr id="5" name="Footer Placeholder 4">
             <a:extLst>
               <a:ext uri="{FF2B5EF4-FFF2-40B4-BE49-F238E27FC236}">
-                <a16:creationId xmlns:a16="http://schemas.microsoft.com/office/drawing/2014/main" id="{C631255B-22D2-BFD0-6E2B-2CB909435FC6}"/>
+                <a16:creationId xmlns:a16="http://schemas.microsoft.com/office/drawing/2014/main" xmlns="" id="{C631255B-22D2-BFD0-6E2B-2CB909435FC6}"/>
               </a:ext>
             </a:extLst>
           </p:cNvPr>
@@ -301,7 +300,7 @@
           <p:cNvPr id="6" name="Slide Number Placeholder 5">
             <a:extLst>
               <a:ext uri="{FF2B5EF4-FFF2-40B4-BE49-F238E27FC236}">
-                <a16:creationId xmlns:a16="http://schemas.microsoft.com/office/drawing/2014/main" id="{8B6AC3F9-8084-22E7-D885-8B98F38D04B0}"/>
+                <a16:creationId xmlns:a16="http://schemas.microsoft.com/office/drawing/2014/main" xmlns="" id="{8B6AC3F9-8084-22E7-D885-8B98F38D04B0}"/>
               </a:ext>
             </a:extLst>
           </p:cNvPr>
@@ -330,7 +329,7 @@
           <p:cNvPr id="7" name="Footer Placeholder 4">
             <a:extLst>
               <a:ext uri="{FF2B5EF4-FFF2-40B4-BE49-F238E27FC236}">
-                <a16:creationId xmlns:a16="http://schemas.microsoft.com/office/drawing/2014/main" id="{34687BFD-2914-5915-09E8-574865A5731A}"/>
+                <a16:creationId xmlns:a16="http://schemas.microsoft.com/office/drawing/2014/main" xmlns="" id="{34687BFD-2914-5915-09E8-574865A5731A}"/>
               </a:ext>
             </a:extLst>
           </p:cNvPr>
@@ -491,7 +490,7 @@
           <p:cNvPr id="2" name="Title 1">
             <a:extLst>
               <a:ext uri="{FF2B5EF4-FFF2-40B4-BE49-F238E27FC236}">
-                <a16:creationId xmlns:a16="http://schemas.microsoft.com/office/drawing/2014/main" id="{C98F7736-4A28-81E7-C82E-E08B9124291F}"/>
+                <a16:creationId xmlns:a16="http://schemas.microsoft.com/office/drawing/2014/main" xmlns="" id="{C98F7736-4A28-81E7-C82E-E08B9124291F}"/>
               </a:ext>
             </a:extLst>
           </p:cNvPr>
@@ -520,7 +519,7 @@
           <p:cNvPr id="3" name="Vertical Text Placeholder 2">
             <a:extLst>
               <a:ext uri="{FF2B5EF4-FFF2-40B4-BE49-F238E27FC236}">
-                <a16:creationId xmlns:a16="http://schemas.microsoft.com/office/drawing/2014/main" id="{47BF6A39-8901-64F9-CB89-5DEDADC71459}"/>
+                <a16:creationId xmlns:a16="http://schemas.microsoft.com/office/drawing/2014/main" xmlns="" id="{47BF6A39-8901-64F9-CB89-5DEDADC71459}"/>
               </a:ext>
             </a:extLst>
           </p:cNvPr>
@@ -578,7 +577,7 @@
           <p:cNvPr id="4" name="Date Placeholder 3">
             <a:extLst>
               <a:ext uri="{FF2B5EF4-FFF2-40B4-BE49-F238E27FC236}">
-                <a16:creationId xmlns:a16="http://schemas.microsoft.com/office/drawing/2014/main" id="{79DCAC13-CEF5-615F-7188-2FF616782B18}"/>
+                <a16:creationId xmlns:a16="http://schemas.microsoft.com/office/drawing/2014/main" xmlns="" id="{79DCAC13-CEF5-615F-7188-2FF616782B18}"/>
               </a:ext>
             </a:extLst>
           </p:cNvPr>
@@ -596,7 +595,7 @@
           <a:p>
             <a:fld id="{6670FE10-F406-47AF-8AE1-E9BA4C7E25F2}" type="datetimeFigureOut">
               <a:rPr lang="en-GB" smtClean="0"/>
-              <a:t>06/12/2022</a:t>
+              <a:t>02/02/2024</a:t>
             </a:fld>
             <a:endParaRPr lang="en-GB"/>
           </a:p>
@@ -607,7 +606,7 @@
           <p:cNvPr id="5" name="Footer Placeholder 4">
             <a:extLst>
               <a:ext uri="{FF2B5EF4-FFF2-40B4-BE49-F238E27FC236}">
-                <a16:creationId xmlns:a16="http://schemas.microsoft.com/office/drawing/2014/main" id="{12A0B23E-BB41-954A-D844-68F59222D930}"/>
+                <a16:creationId xmlns:a16="http://schemas.microsoft.com/office/drawing/2014/main" xmlns="" id="{12A0B23E-BB41-954A-D844-68F59222D930}"/>
               </a:ext>
             </a:extLst>
           </p:cNvPr>
@@ -632,7 +631,7 @@
           <p:cNvPr id="6" name="Slide Number Placeholder 5">
             <a:extLst>
               <a:ext uri="{FF2B5EF4-FFF2-40B4-BE49-F238E27FC236}">
-                <a16:creationId xmlns:a16="http://schemas.microsoft.com/office/drawing/2014/main" id="{781B89A1-9BF9-CB79-4981-4A057B60A758}"/>
+                <a16:creationId xmlns:a16="http://schemas.microsoft.com/office/drawing/2014/main" xmlns="" id="{781B89A1-9BF9-CB79-4981-4A057B60A758}"/>
               </a:ext>
             </a:extLst>
           </p:cNvPr>
@@ -691,7 +690,7 @@
           <p:cNvPr id="2" name="Vertical Title 1">
             <a:extLst>
               <a:ext uri="{FF2B5EF4-FFF2-40B4-BE49-F238E27FC236}">
-                <a16:creationId xmlns:a16="http://schemas.microsoft.com/office/drawing/2014/main" id="{B333CEA5-A5BC-42F6-9417-DE058EAF38DB}"/>
+                <a16:creationId xmlns:a16="http://schemas.microsoft.com/office/drawing/2014/main" xmlns="" id="{B333CEA5-A5BC-42F6-9417-DE058EAF38DB}"/>
               </a:ext>
             </a:extLst>
           </p:cNvPr>
@@ -725,7 +724,7 @@
           <p:cNvPr id="3" name="Vertical Text Placeholder 2">
             <a:extLst>
               <a:ext uri="{FF2B5EF4-FFF2-40B4-BE49-F238E27FC236}">
-                <a16:creationId xmlns:a16="http://schemas.microsoft.com/office/drawing/2014/main" id="{39B20003-77E7-76F4-127A-9FAD2038EF14}"/>
+                <a16:creationId xmlns:a16="http://schemas.microsoft.com/office/drawing/2014/main" xmlns="" id="{39B20003-77E7-76F4-127A-9FAD2038EF14}"/>
               </a:ext>
             </a:extLst>
           </p:cNvPr>
@@ -788,7 +787,7 @@
           <p:cNvPr id="4" name="Date Placeholder 3">
             <a:extLst>
               <a:ext uri="{FF2B5EF4-FFF2-40B4-BE49-F238E27FC236}">
-                <a16:creationId xmlns:a16="http://schemas.microsoft.com/office/drawing/2014/main" id="{D6F2C76B-2410-6DF5-E769-3F1375B9F60C}"/>
+                <a16:creationId xmlns:a16="http://schemas.microsoft.com/office/drawing/2014/main" xmlns="" id="{D6F2C76B-2410-6DF5-E769-3F1375B9F60C}"/>
               </a:ext>
             </a:extLst>
           </p:cNvPr>
@@ -806,7 +805,7 @@
           <a:p>
             <a:fld id="{6670FE10-F406-47AF-8AE1-E9BA4C7E25F2}" type="datetimeFigureOut">
               <a:rPr lang="en-GB" smtClean="0"/>
-              <a:t>06/12/2022</a:t>
+              <a:t>02/02/2024</a:t>
             </a:fld>
             <a:endParaRPr lang="en-GB"/>
           </a:p>
@@ -817,7 +816,7 @@
           <p:cNvPr id="5" name="Footer Placeholder 4">
             <a:extLst>
               <a:ext uri="{FF2B5EF4-FFF2-40B4-BE49-F238E27FC236}">
-                <a16:creationId xmlns:a16="http://schemas.microsoft.com/office/drawing/2014/main" id="{989A810E-232E-6F62-BDC3-DA16DA4EE14C}"/>
+                <a16:creationId xmlns:a16="http://schemas.microsoft.com/office/drawing/2014/main" xmlns="" id="{989A810E-232E-6F62-BDC3-DA16DA4EE14C}"/>
               </a:ext>
             </a:extLst>
           </p:cNvPr>
@@ -842,7 +841,7 @@
           <p:cNvPr id="6" name="Slide Number Placeholder 5">
             <a:extLst>
               <a:ext uri="{FF2B5EF4-FFF2-40B4-BE49-F238E27FC236}">
-                <a16:creationId xmlns:a16="http://schemas.microsoft.com/office/drawing/2014/main" id="{D809F2B8-DDB4-2806-89D5-BFB2856E1266}"/>
+                <a16:creationId xmlns:a16="http://schemas.microsoft.com/office/drawing/2014/main" xmlns="" id="{D809F2B8-DDB4-2806-89D5-BFB2856E1266}"/>
               </a:ext>
             </a:extLst>
           </p:cNvPr>
@@ -901,7 +900,7 @@
           <p:cNvPr id="2" name="Title 1">
             <a:extLst>
               <a:ext uri="{FF2B5EF4-FFF2-40B4-BE49-F238E27FC236}">
-                <a16:creationId xmlns:a16="http://schemas.microsoft.com/office/drawing/2014/main" id="{32B96570-1523-0FD3-BC20-287B4073C611}"/>
+                <a16:creationId xmlns:a16="http://schemas.microsoft.com/office/drawing/2014/main" xmlns="" id="{32B96570-1523-0FD3-BC20-287B4073C611}"/>
               </a:ext>
             </a:extLst>
           </p:cNvPr>
@@ -930,7 +929,7 @@
           <p:cNvPr id="3" name="Content Placeholder 2">
             <a:extLst>
               <a:ext uri="{FF2B5EF4-FFF2-40B4-BE49-F238E27FC236}">
-                <a16:creationId xmlns:a16="http://schemas.microsoft.com/office/drawing/2014/main" id="{8D0B1C4E-5C84-9734-9EE1-BF86FB5C5F2A}"/>
+                <a16:creationId xmlns:a16="http://schemas.microsoft.com/office/drawing/2014/main" xmlns="" id="{8D0B1C4E-5C84-9734-9EE1-BF86FB5C5F2A}"/>
               </a:ext>
             </a:extLst>
           </p:cNvPr>
@@ -988,7 +987,7 @@
           <p:cNvPr id="4" name="Date Placeholder 3">
             <a:extLst>
               <a:ext uri="{FF2B5EF4-FFF2-40B4-BE49-F238E27FC236}">
-                <a16:creationId xmlns:a16="http://schemas.microsoft.com/office/drawing/2014/main" id="{22056992-9D89-2C0C-4C2C-BAE80A944102}"/>
+                <a16:creationId xmlns:a16="http://schemas.microsoft.com/office/drawing/2014/main" xmlns="" id="{22056992-9D89-2C0C-4C2C-BAE80A944102}"/>
               </a:ext>
             </a:extLst>
           </p:cNvPr>
@@ -1006,7 +1005,7 @@
           <a:p>
             <a:fld id="{6670FE10-F406-47AF-8AE1-E9BA4C7E25F2}" type="datetimeFigureOut">
               <a:rPr lang="en-GB" smtClean="0"/>
-              <a:t>06/12/2022</a:t>
+              <a:t>02/02/2024</a:t>
             </a:fld>
             <a:endParaRPr lang="en-GB"/>
           </a:p>
@@ -1017,7 +1016,7 @@
           <p:cNvPr id="5" name="Footer Placeholder 4">
             <a:extLst>
               <a:ext uri="{FF2B5EF4-FFF2-40B4-BE49-F238E27FC236}">
-                <a16:creationId xmlns:a16="http://schemas.microsoft.com/office/drawing/2014/main" id="{74DFFCB4-8863-0CCB-49C4-B6B7CD564D67}"/>
+                <a16:creationId xmlns:a16="http://schemas.microsoft.com/office/drawing/2014/main" xmlns="" id="{74DFFCB4-8863-0CCB-49C4-B6B7CD564D67}"/>
               </a:ext>
             </a:extLst>
           </p:cNvPr>
@@ -1042,7 +1041,7 @@
           <p:cNvPr id="6" name="Slide Number Placeholder 5">
             <a:extLst>
               <a:ext uri="{FF2B5EF4-FFF2-40B4-BE49-F238E27FC236}">
-                <a16:creationId xmlns:a16="http://schemas.microsoft.com/office/drawing/2014/main" id="{E36F401C-D4D3-3500-4073-E532BD9F1FD6}"/>
+                <a16:creationId xmlns:a16="http://schemas.microsoft.com/office/drawing/2014/main" xmlns="" id="{E36F401C-D4D3-3500-4073-E532BD9F1FD6}"/>
               </a:ext>
             </a:extLst>
           </p:cNvPr>
@@ -1071,7 +1070,7 @@
           <p:cNvPr id="7" name="Footer Placeholder 4">
             <a:extLst>
               <a:ext uri="{FF2B5EF4-FFF2-40B4-BE49-F238E27FC236}">
-                <a16:creationId xmlns:a16="http://schemas.microsoft.com/office/drawing/2014/main" id="{844B232F-D5B6-DEFE-8440-A43739EF1CB4}"/>
+                <a16:creationId xmlns:a16="http://schemas.microsoft.com/office/drawing/2014/main" xmlns="" id="{844B232F-D5B6-DEFE-8440-A43739EF1CB4}"/>
               </a:ext>
             </a:extLst>
           </p:cNvPr>
@@ -1232,7 +1231,7 @@
           <p:cNvPr id="2" name="Title 1">
             <a:extLst>
               <a:ext uri="{FF2B5EF4-FFF2-40B4-BE49-F238E27FC236}">
-                <a16:creationId xmlns:a16="http://schemas.microsoft.com/office/drawing/2014/main" id="{ACA9419F-3AA8-7780-4AB2-0778AAAFC21C}"/>
+                <a16:creationId xmlns:a16="http://schemas.microsoft.com/office/drawing/2014/main" xmlns="" id="{ACA9419F-3AA8-7780-4AB2-0778AAAFC21C}"/>
               </a:ext>
             </a:extLst>
           </p:cNvPr>
@@ -1270,7 +1269,7 @@
           <p:cNvPr id="3" name="Text Placeholder 2">
             <a:extLst>
               <a:ext uri="{FF2B5EF4-FFF2-40B4-BE49-F238E27FC236}">
-                <a16:creationId xmlns:a16="http://schemas.microsoft.com/office/drawing/2014/main" id="{F7210246-D5F0-A37C-2B2C-D6A6D3CB30DD}"/>
+                <a16:creationId xmlns:a16="http://schemas.microsoft.com/office/drawing/2014/main" xmlns="" id="{F7210246-D5F0-A37C-2B2C-D6A6D3CB30DD}"/>
               </a:ext>
             </a:extLst>
           </p:cNvPr>
@@ -1395,7 +1394,7 @@
           <p:cNvPr id="4" name="Date Placeholder 3">
             <a:extLst>
               <a:ext uri="{FF2B5EF4-FFF2-40B4-BE49-F238E27FC236}">
-                <a16:creationId xmlns:a16="http://schemas.microsoft.com/office/drawing/2014/main" id="{EE42C001-3FCB-0E6B-9E1F-20622B91CBC3}"/>
+                <a16:creationId xmlns:a16="http://schemas.microsoft.com/office/drawing/2014/main" xmlns="" id="{EE42C001-3FCB-0E6B-9E1F-20622B91CBC3}"/>
               </a:ext>
             </a:extLst>
           </p:cNvPr>
@@ -1413,7 +1412,7 @@
           <a:p>
             <a:fld id="{6670FE10-F406-47AF-8AE1-E9BA4C7E25F2}" type="datetimeFigureOut">
               <a:rPr lang="en-GB" smtClean="0"/>
-              <a:t>06/12/2022</a:t>
+              <a:t>02/02/2024</a:t>
             </a:fld>
             <a:endParaRPr lang="en-GB"/>
           </a:p>
@@ -1424,7 +1423,7 @@
           <p:cNvPr id="5" name="Footer Placeholder 4">
             <a:extLst>
               <a:ext uri="{FF2B5EF4-FFF2-40B4-BE49-F238E27FC236}">
-                <a16:creationId xmlns:a16="http://schemas.microsoft.com/office/drawing/2014/main" id="{B80F9F14-D78E-F738-AB9A-82903D4180EC}"/>
+                <a16:creationId xmlns:a16="http://schemas.microsoft.com/office/drawing/2014/main" xmlns="" id="{B80F9F14-D78E-F738-AB9A-82903D4180EC}"/>
               </a:ext>
             </a:extLst>
           </p:cNvPr>
@@ -1449,7 +1448,7 @@
           <p:cNvPr id="6" name="Slide Number Placeholder 5">
             <a:extLst>
               <a:ext uri="{FF2B5EF4-FFF2-40B4-BE49-F238E27FC236}">
-                <a16:creationId xmlns:a16="http://schemas.microsoft.com/office/drawing/2014/main" id="{3DA85AB1-BB89-8FEB-4B9B-6D47D0A3306D}"/>
+                <a16:creationId xmlns:a16="http://schemas.microsoft.com/office/drawing/2014/main" xmlns="" id="{3DA85AB1-BB89-8FEB-4B9B-6D47D0A3306D}"/>
               </a:ext>
             </a:extLst>
           </p:cNvPr>
@@ -1508,7 +1507,7 @@
           <p:cNvPr id="2" name="Title 1">
             <a:extLst>
               <a:ext uri="{FF2B5EF4-FFF2-40B4-BE49-F238E27FC236}">
-                <a16:creationId xmlns:a16="http://schemas.microsoft.com/office/drawing/2014/main" id="{24DD90D2-E4BE-3BAB-80D6-46034DFB3151}"/>
+                <a16:creationId xmlns:a16="http://schemas.microsoft.com/office/drawing/2014/main" xmlns="" id="{24DD90D2-E4BE-3BAB-80D6-46034DFB3151}"/>
               </a:ext>
             </a:extLst>
           </p:cNvPr>
@@ -1537,7 +1536,7 @@
           <p:cNvPr id="3" name="Content Placeholder 2">
             <a:extLst>
               <a:ext uri="{FF2B5EF4-FFF2-40B4-BE49-F238E27FC236}">
-                <a16:creationId xmlns:a16="http://schemas.microsoft.com/office/drawing/2014/main" id="{1BE216A8-1C74-E2BB-5D51-957032134746}"/>
+                <a16:creationId xmlns:a16="http://schemas.microsoft.com/office/drawing/2014/main" xmlns="" id="{1BE216A8-1C74-E2BB-5D51-957032134746}"/>
               </a:ext>
             </a:extLst>
           </p:cNvPr>
@@ -1600,7 +1599,7 @@
           <p:cNvPr id="4" name="Content Placeholder 3">
             <a:extLst>
               <a:ext uri="{FF2B5EF4-FFF2-40B4-BE49-F238E27FC236}">
-                <a16:creationId xmlns:a16="http://schemas.microsoft.com/office/drawing/2014/main" id="{E482CC0D-CA4E-02C7-076E-55D511571AB6}"/>
+                <a16:creationId xmlns:a16="http://schemas.microsoft.com/office/drawing/2014/main" xmlns="" id="{E482CC0D-CA4E-02C7-076E-55D511571AB6}"/>
               </a:ext>
             </a:extLst>
           </p:cNvPr>
@@ -1663,7 +1662,7 @@
           <p:cNvPr id="5" name="Date Placeholder 4">
             <a:extLst>
               <a:ext uri="{FF2B5EF4-FFF2-40B4-BE49-F238E27FC236}">
-                <a16:creationId xmlns:a16="http://schemas.microsoft.com/office/drawing/2014/main" id="{70BDE4EC-111C-93BE-1438-6CDC2E8FCC78}"/>
+                <a16:creationId xmlns:a16="http://schemas.microsoft.com/office/drawing/2014/main" xmlns="" id="{70BDE4EC-111C-93BE-1438-6CDC2E8FCC78}"/>
               </a:ext>
             </a:extLst>
           </p:cNvPr>
@@ -1681,7 +1680,7 @@
           <a:p>
             <a:fld id="{6670FE10-F406-47AF-8AE1-E9BA4C7E25F2}" type="datetimeFigureOut">
               <a:rPr lang="en-GB" smtClean="0"/>
-              <a:t>06/12/2022</a:t>
+              <a:t>02/02/2024</a:t>
             </a:fld>
             <a:endParaRPr lang="en-GB"/>
           </a:p>
@@ -1692,7 +1691,7 @@
           <p:cNvPr id="6" name="Footer Placeholder 5">
             <a:extLst>
               <a:ext uri="{FF2B5EF4-FFF2-40B4-BE49-F238E27FC236}">
-                <a16:creationId xmlns:a16="http://schemas.microsoft.com/office/drawing/2014/main" id="{ABE612E8-024B-A8EE-5D52-CE4D6B315CBE}"/>
+                <a16:creationId xmlns:a16="http://schemas.microsoft.com/office/drawing/2014/main" xmlns="" id="{ABE612E8-024B-A8EE-5D52-CE4D6B315CBE}"/>
               </a:ext>
             </a:extLst>
           </p:cNvPr>
@@ -1717,7 +1716,7 @@
           <p:cNvPr id="7" name="Slide Number Placeholder 6">
             <a:extLst>
               <a:ext uri="{FF2B5EF4-FFF2-40B4-BE49-F238E27FC236}">
-                <a16:creationId xmlns:a16="http://schemas.microsoft.com/office/drawing/2014/main" id="{838136DD-9F31-209F-5224-7E8DA5ED84DF}"/>
+                <a16:creationId xmlns:a16="http://schemas.microsoft.com/office/drawing/2014/main" xmlns="" id="{838136DD-9F31-209F-5224-7E8DA5ED84DF}"/>
               </a:ext>
             </a:extLst>
           </p:cNvPr>
@@ -1776,7 +1775,7 @@
           <p:cNvPr id="2" name="Title 1">
             <a:extLst>
               <a:ext uri="{FF2B5EF4-FFF2-40B4-BE49-F238E27FC236}">
-                <a16:creationId xmlns:a16="http://schemas.microsoft.com/office/drawing/2014/main" id="{F0ACAF4E-854C-2F13-E1E3-1FCD814C36C1}"/>
+                <a16:creationId xmlns:a16="http://schemas.microsoft.com/office/drawing/2014/main" xmlns="" id="{F0ACAF4E-854C-2F13-E1E3-1FCD814C36C1}"/>
               </a:ext>
             </a:extLst>
           </p:cNvPr>
@@ -1810,7 +1809,7 @@
           <p:cNvPr id="3" name="Text Placeholder 2">
             <a:extLst>
               <a:ext uri="{FF2B5EF4-FFF2-40B4-BE49-F238E27FC236}">
-                <a16:creationId xmlns:a16="http://schemas.microsoft.com/office/drawing/2014/main" id="{55F20CA3-8962-ED78-5627-E2AFD1FA8C10}"/>
+                <a16:creationId xmlns:a16="http://schemas.microsoft.com/office/drawing/2014/main" xmlns="" id="{55F20CA3-8962-ED78-5627-E2AFD1FA8C10}"/>
               </a:ext>
             </a:extLst>
           </p:cNvPr>
@@ -1881,7 +1880,7 @@
           <p:cNvPr id="4" name="Content Placeholder 3">
             <a:extLst>
               <a:ext uri="{FF2B5EF4-FFF2-40B4-BE49-F238E27FC236}">
-                <a16:creationId xmlns:a16="http://schemas.microsoft.com/office/drawing/2014/main" id="{A9DFED54-B3EB-EDCE-24C1-E05D0B1AAE2D}"/>
+                <a16:creationId xmlns:a16="http://schemas.microsoft.com/office/drawing/2014/main" xmlns="" id="{A9DFED54-B3EB-EDCE-24C1-E05D0B1AAE2D}"/>
               </a:ext>
             </a:extLst>
           </p:cNvPr>
@@ -1944,7 +1943,7 @@
           <p:cNvPr id="5" name="Text Placeholder 4">
             <a:extLst>
               <a:ext uri="{FF2B5EF4-FFF2-40B4-BE49-F238E27FC236}">
-                <a16:creationId xmlns:a16="http://schemas.microsoft.com/office/drawing/2014/main" id="{6DB824DE-EEE0-3583-344D-DEB814DF9A03}"/>
+                <a16:creationId xmlns:a16="http://schemas.microsoft.com/office/drawing/2014/main" xmlns="" id="{6DB824DE-EEE0-3583-344D-DEB814DF9A03}"/>
               </a:ext>
             </a:extLst>
           </p:cNvPr>
@@ -2015,7 +2014,7 @@
           <p:cNvPr id="6" name="Content Placeholder 5">
             <a:extLst>
               <a:ext uri="{FF2B5EF4-FFF2-40B4-BE49-F238E27FC236}">
-                <a16:creationId xmlns:a16="http://schemas.microsoft.com/office/drawing/2014/main" id="{26C3C5AD-D28A-542C-CF9F-7650793A3835}"/>
+                <a16:creationId xmlns:a16="http://schemas.microsoft.com/office/drawing/2014/main" xmlns="" id="{26C3C5AD-D28A-542C-CF9F-7650793A3835}"/>
               </a:ext>
             </a:extLst>
           </p:cNvPr>
@@ -2078,7 +2077,7 @@
           <p:cNvPr id="7" name="Date Placeholder 6">
             <a:extLst>
               <a:ext uri="{FF2B5EF4-FFF2-40B4-BE49-F238E27FC236}">
-                <a16:creationId xmlns:a16="http://schemas.microsoft.com/office/drawing/2014/main" id="{7BCFE2E4-8192-9EA2-4489-80F4A15EFB6B}"/>
+                <a16:creationId xmlns:a16="http://schemas.microsoft.com/office/drawing/2014/main" xmlns="" id="{7BCFE2E4-8192-9EA2-4489-80F4A15EFB6B}"/>
               </a:ext>
             </a:extLst>
           </p:cNvPr>
@@ -2096,7 +2095,7 @@
           <a:p>
             <a:fld id="{6670FE10-F406-47AF-8AE1-E9BA4C7E25F2}" type="datetimeFigureOut">
               <a:rPr lang="en-GB" smtClean="0"/>
-              <a:t>06/12/2022</a:t>
+              <a:t>02/02/2024</a:t>
             </a:fld>
             <a:endParaRPr lang="en-GB"/>
           </a:p>
@@ -2107,7 +2106,7 @@
           <p:cNvPr id="8" name="Footer Placeholder 7">
             <a:extLst>
               <a:ext uri="{FF2B5EF4-FFF2-40B4-BE49-F238E27FC236}">
-                <a16:creationId xmlns:a16="http://schemas.microsoft.com/office/drawing/2014/main" id="{0124C7DB-3AF1-24E1-DCBE-207B96CA5B37}"/>
+                <a16:creationId xmlns:a16="http://schemas.microsoft.com/office/drawing/2014/main" xmlns="" id="{0124C7DB-3AF1-24E1-DCBE-207B96CA5B37}"/>
               </a:ext>
             </a:extLst>
           </p:cNvPr>
@@ -2132,7 +2131,7 @@
           <p:cNvPr id="9" name="Slide Number Placeholder 8">
             <a:extLst>
               <a:ext uri="{FF2B5EF4-FFF2-40B4-BE49-F238E27FC236}">
-                <a16:creationId xmlns:a16="http://schemas.microsoft.com/office/drawing/2014/main" id="{F0FA5518-D3AE-F720-2BE0-3F9DB2DFA9EF}"/>
+                <a16:creationId xmlns:a16="http://schemas.microsoft.com/office/drawing/2014/main" xmlns="" id="{F0FA5518-D3AE-F720-2BE0-3F9DB2DFA9EF}"/>
               </a:ext>
             </a:extLst>
           </p:cNvPr>
@@ -2191,7 +2190,7 @@
           <p:cNvPr id="2" name="Title 1">
             <a:extLst>
               <a:ext uri="{FF2B5EF4-FFF2-40B4-BE49-F238E27FC236}">
-                <a16:creationId xmlns:a16="http://schemas.microsoft.com/office/drawing/2014/main" id="{CDBB8F10-4EB4-0C0F-03BF-F531D235ADC4}"/>
+                <a16:creationId xmlns:a16="http://schemas.microsoft.com/office/drawing/2014/main" xmlns="" id="{CDBB8F10-4EB4-0C0F-03BF-F531D235ADC4}"/>
               </a:ext>
             </a:extLst>
           </p:cNvPr>
@@ -2220,7 +2219,7 @@
           <p:cNvPr id="3" name="Date Placeholder 2">
             <a:extLst>
               <a:ext uri="{FF2B5EF4-FFF2-40B4-BE49-F238E27FC236}">
-                <a16:creationId xmlns:a16="http://schemas.microsoft.com/office/drawing/2014/main" id="{0F1CEF92-A5CC-B946-CAFC-8C36EB5A1CA9}"/>
+                <a16:creationId xmlns:a16="http://schemas.microsoft.com/office/drawing/2014/main" xmlns="" id="{0F1CEF92-A5CC-B946-CAFC-8C36EB5A1CA9}"/>
               </a:ext>
             </a:extLst>
           </p:cNvPr>
@@ -2238,7 +2237,7 @@
           <a:p>
             <a:fld id="{6670FE10-F406-47AF-8AE1-E9BA4C7E25F2}" type="datetimeFigureOut">
               <a:rPr lang="en-GB" smtClean="0"/>
-              <a:t>06/12/2022</a:t>
+              <a:t>02/02/2024</a:t>
             </a:fld>
             <a:endParaRPr lang="en-GB"/>
           </a:p>
@@ -2249,7 +2248,7 @@
           <p:cNvPr id="4" name="Footer Placeholder 3">
             <a:extLst>
               <a:ext uri="{FF2B5EF4-FFF2-40B4-BE49-F238E27FC236}">
-                <a16:creationId xmlns:a16="http://schemas.microsoft.com/office/drawing/2014/main" id="{79B0AED2-981A-D1A1-3051-5903B7A77705}"/>
+                <a16:creationId xmlns:a16="http://schemas.microsoft.com/office/drawing/2014/main" xmlns="" id="{79B0AED2-981A-D1A1-3051-5903B7A77705}"/>
               </a:ext>
             </a:extLst>
           </p:cNvPr>
@@ -2274,7 +2273,7 @@
           <p:cNvPr id="5" name="Slide Number Placeholder 4">
             <a:extLst>
               <a:ext uri="{FF2B5EF4-FFF2-40B4-BE49-F238E27FC236}">
-                <a16:creationId xmlns:a16="http://schemas.microsoft.com/office/drawing/2014/main" id="{30C34D5F-9056-9555-8436-92D63EF82CE5}"/>
+                <a16:creationId xmlns:a16="http://schemas.microsoft.com/office/drawing/2014/main" xmlns="" id="{30C34D5F-9056-9555-8436-92D63EF82CE5}"/>
               </a:ext>
             </a:extLst>
           </p:cNvPr>
@@ -2333,7 +2332,7 @@
           <p:cNvPr id="2" name="Date Placeholder 1">
             <a:extLst>
               <a:ext uri="{FF2B5EF4-FFF2-40B4-BE49-F238E27FC236}">
-                <a16:creationId xmlns:a16="http://schemas.microsoft.com/office/drawing/2014/main" id="{B730EC6A-6AD6-AA45-F17C-03F69F0BC0B1}"/>
+                <a16:creationId xmlns:a16="http://schemas.microsoft.com/office/drawing/2014/main" xmlns="" id="{B730EC6A-6AD6-AA45-F17C-03F69F0BC0B1}"/>
               </a:ext>
             </a:extLst>
           </p:cNvPr>
@@ -2351,7 +2350,7 @@
           <a:p>
             <a:fld id="{6670FE10-F406-47AF-8AE1-E9BA4C7E25F2}" type="datetimeFigureOut">
               <a:rPr lang="en-GB" smtClean="0"/>
-              <a:t>06/12/2022</a:t>
+              <a:t>02/02/2024</a:t>
             </a:fld>
             <a:endParaRPr lang="en-GB"/>
           </a:p>
@@ -2362,7 +2361,7 @@
           <p:cNvPr id="3" name="Footer Placeholder 2">
             <a:extLst>
               <a:ext uri="{FF2B5EF4-FFF2-40B4-BE49-F238E27FC236}">
-                <a16:creationId xmlns:a16="http://schemas.microsoft.com/office/drawing/2014/main" id="{4CE86569-C17C-085A-6CBC-D1C4A1862CB5}"/>
+                <a16:creationId xmlns:a16="http://schemas.microsoft.com/office/drawing/2014/main" xmlns="" id="{4CE86569-C17C-085A-6CBC-D1C4A1862CB5}"/>
               </a:ext>
             </a:extLst>
           </p:cNvPr>
@@ -2387,7 +2386,7 @@
           <p:cNvPr id="4" name="Slide Number Placeholder 3">
             <a:extLst>
               <a:ext uri="{FF2B5EF4-FFF2-40B4-BE49-F238E27FC236}">
-                <a16:creationId xmlns:a16="http://schemas.microsoft.com/office/drawing/2014/main" id="{78D85FA6-E886-1316-E77C-F547D63906B5}"/>
+                <a16:creationId xmlns:a16="http://schemas.microsoft.com/office/drawing/2014/main" xmlns="" id="{78D85FA6-E886-1316-E77C-F547D63906B5}"/>
               </a:ext>
             </a:extLst>
           </p:cNvPr>
@@ -2446,7 +2445,7 @@
           <p:cNvPr id="2" name="Title 1">
             <a:extLst>
               <a:ext uri="{FF2B5EF4-FFF2-40B4-BE49-F238E27FC236}">
-                <a16:creationId xmlns:a16="http://schemas.microsoft.com/office/drawing/2014/main" id="{0BD7938B-5BC3-3F7E-C07B-69D21045835A}"/>
+                <a16:creationId xmlns:a16="http://schemas.microsoft.com/office/drawing/2014/main" xmlns="" id="{0BD7938B-5BC3-3F7E-C07B-69D21045835A}"/>
               </a:ext>
             </a:extLst>
           </p:cNvPr>
@@ -2484,7 +2483,7 @@
           <p:cNvPr id="3" name="Content Placeholder 2">
             <a:extLst>
               <a:ext uri="{FF2B5EF4-FFF2-40B4-BE49-F238E27FC236}">
-                <a16:creationId xmlns:a16="http://schemas.microsoft.com/office/drawing/2014/main" id="{8BA5A36E-54F8-095F-63F4-D35F0CEA499E}"/>
+                <a16:creationId xmlns:a16="http://schemas.microsoft.com/office/drawing/2014/main" xmlns="" id="{8BA5A36E-54F8-095F-63F4-D35F0CEA499E}"/>
               </a:ext>
             </a:extLst>
           </p:cNvPr>
@@ -2575,7 +2574,7 @@
           <p:cNvPr id="4" name="Text Placeholder 3">
             <a:extLst>
               <a:ext uri="{FF2B5EF4-FFF2-40B4-BE49-F238E27FC236}">
-                <a16:creationId xmlns:a16="http://schemas.microsoft.com/office/drawing/2014/main" id="{6E133D28-5C98-8AD3-E53B-B46BC56EF23C}"/>
+                <a16:creationId xmlns:a16="http://schemas.microsoft.com/office/drawing/2014/main" xmlns="" id="{6E133D28-5C98-8AD3-E53B-B46BC56EF23C}"/>
               </a:ext>
             </a:extLst>
           </p:cNvPr>
@@ -2646,7 +2645,7 @@
           <p:cNvPr id="5" name="Date Placeholder 4">
             <a:extLst>
               <a:ext uri="{FF2B5EF4-FFF2-40B4-BE49-F238E27FC236}">
-                <a16:creationId xmlns:a16="http://schemas.microsoft.com/office/drawing/2014/main" id="{5B6D2A4C-20E2-A896-97ED-F88A7A2385FF}"/>
+                <a16:creationId xmlns:a16="http://schemas.microsoft.com/office/drawing/2014/main" xmlns="" id="{5B6D2A4C-20E2-A896-97ED-F88A7A2385FF}"/>
               </a:ext>
             </a:extLst>
           </p:cNvPr>
@@ -2664,7 +2663,7 @@
           <a:p>
             <a:fld id="{6670FE10-F406-47AF-8AE1-E9BA4C7E25F2}" type="datetimeFigureOut">
               <a:rPr lang="en-GB" smtClean="0"/>
-              <a:t>06/12/2022</a:t>
+              <a:t>02/02/2024</a:t>
             </a:fld>
             <a:endParaRPr lang="en-GB"/>
           </a:p>
@@ -2675,7 +2674,7 @@
           <p:cNvPr id="6" name="Footer Placeholder 5">
             <a:extLst>
               <a:ext uri="{FF2B5EF4-FFF2-40B4-BE49-F238E27FC236}">
-                <a16:creationId xmlns:a16="http://schemas.microsoft.com/office/drawing/2014/main" id="{ED56FC89-B6CF-07FC-4053-C9A2B6E43753}"/>
+                <a16:creationId xmlns:a16="http://schemas.microsoft.com/office/drawing/2014/main" xmlns="" id="{ED56FC89-B6CF-07FC-4053-C9A2B6E43753}"/>
               </a:ext>
             </a:extLst>
           </p:cNvPr>
@@ -2700,7 +2699,7 @@
           <p:cNvPr id="7" name="Slide Number Placeholder 6">
             <a:extLst>
               <a:ext uri="{FF2B5EF4-FFF2-40B4-BE49-F238E27FC236}">
-                <a16:creationId xmlns:a16="http://schemas.microsoft.com/office/drawing/2014/main" id="{C6B4ECD2-23D6-A678-D6E6-CC8E80A4100C}"/>
+                <a16:creationId xmlns:a16="http://schemas.microsoft.com/office/drawing/2014/main" xmlns="" id="{C6B4ECD2-23D6-A678-D6E6-CC8E80A4100C}"/>
               </a:ext>
             </a:extLst>
           </p:cNvPr>
@@ -2759,7 +2758,7 @@
           <p:cNvPr id="2" name="Title 1">
             <a:extLst>
               <a:ext uri="{FF2B5EF4-FFF2-40B4-BE49-F238E27FC236}">
-                <a16:creationId xmlns:a16="http://schemas.microsoft.com/office/drawing/2014/main" id="{486D62C0-B9AF-01E3-3121-5E4CEC456534}"/>
+                <a16:creationId xmlns:a16="http://schemas.microsoft.com/office/drawing/2014/main" xmlns="" id="{486D62C0-B9AF-01E3-3121-5E4CEC456534}"/>
               </a:ext>
             </a:extLst>
           </p:cNvPr>
@@ -2797,7 +2796,7 @@
           <p:cNvPr id="3" name="Picture Placeholder 2">
             <a:extLst>
               <a:ext uri="{FF2B5EF4-FFF2-40B4-BE49-F238E27FC236}">
-                <a16:creationId xmlns:a16="http://schemas.microsoft.com/office/drawing/2014/main" id="{C01E6429-9B79-A736-0B9D-B13183DAC690}"/>
+                <a16:creationId xmlns:a16="http://schemas.microsoft.com/office/drawing/2014/main" xmlns="" id="{C01E6429-9B79-A736-0B9D-B13183DAC690}"/>
               </a:ext>
             </a:extLst>
           </p:cNvPr>
@@ -2864,7 +2863,7 @@
           <p:cNvPr id="4" name="Text Placeholder 3">
             <a:extLst>
               <a:ext uri="{FF2B5EF4-FFF2-40B4-BE49-F238E27FC236}">
-                <a16:creationId xmlns:a16="http://schemas.microsoft.com/office/drawing/2014/main" id="{A38859E1-EE15-4687-0846-74724C476ED6}"/>
+                <a16:creationId xmlns:a16="http://schemas.microsoft.com/office/drawing/2014/main" xmlns="" id="{A38859E1-EE15-4687-0846-74724C476ED6}"/>
               </a:ext>
             </a:extLst>
           </p:cNvPr>
@@ -2935,7 +2934,7 @@
           <p:cNvPr id="5" name="Date Placeholder 4">
             <a:extLst>
               <a:ext uri="{FF2B5EF4-FFF2-40B4-BE49-F238E27FC236}">
-                <a16:creationId xmlns:a16="http://schemas.microsoft.com/office/drawing/2014/main" id="{CFB76135-5B72-1EEF-F390-24A30E0C2784}"/>
+                <a16:creationId xmlns:a16="http://schemas.microsoft.com/office/drawing/2014/main" xmlns="" id="{CFB76135-5B72-1EEF-F390-24A30E0C2784}"/>
               </a:ext>
             </a:extLst>
           </p:cNvPr>
@@ -2953,7 +2952,7 @@
           <a:p>
             <a:fld id="{6670FE10-F406-47AF-8AE1-E9BA4C7E25F2}" type="datetimeFigureOut">
               <a:rPr lang="en-GB" smtClean="0"/>
-              <a:t>06/12/2022</a:t>
+              <a:t>02/02/2024</a:t>
             </a:fld>
             <a:endParaRPr lang="en-GB"/>
           </a:p>
@@ -2964,7 +2963,7 @@
           <p:cNvPr id="6" name="Footer Placeholder 5">
             <a:extLst>
               <a:ext uri="{FF2B5EF4-FFF2-40B4-BE49-F238E27FC236}">
-                <a16:creationId xmlns:a16="http://schemas.microsoft.com/office/drawing/2014/main" id="{35886E81-CAA3-CA1B-34FD-D779E0A78C49}"/>
+                <a16:creationId xmlns:a16="http://schemas.microsoft.com/office/drawing/2014/main" xmlns="" id="{35886E81-CAA3-CA1B-34FD-D779E0A78C49}"/>
               </a:ext>
             </a:extLst>
           </p:cNvPr>
@@ -2989,7 +2988,7 @@
           <p:cNvPr id="7" name="Slide Number Placeholder 6">
             <a:extLst>
               <a:ext uri="{FF2B5EF4-FFF2-40B4-BE49-F238E27FC236}">
-                <a16:creationId xmlns:a16="http://schemas.microsoft.com/office/drawing/2014/main" id="{55CACC89-7C0E-4493-8D29-3D8652C25C7A}"/>
+                <a16:creationId xmlns:a16="http://schemas.microsoft.com/office/drawing/2014/main" xmlns="" id="{55CACC89-7C0E-4493-8D29-3D8652C25C7A}"/>
               </a:ext>
             </a:extLst>
           </p:cNvPr>
@@ -3053,7 +3052,7 @@
           <p:cNvPr id="2" name="Title Placeholder 1">
             <a:extLst>
               <a:ext uri="{FF2B5EF4-FFF2-40B4-BE49-F238E27FC236}">
-                <a16:creationId xmlns:a16="http://schemas.microsoft.com/office/drawing/2014/main" id="{2A2A5E74-E7EA-A582-FEFF-7E8B6526EAE3}"/>
+                <a16:creationId xmlns:a16="http://schemas.microsoft.com/office/drawing/2014/main" xmlns="" id="{2A2A5E74-E7EA-A582-FEFF-7E8B6526EAE3}"/>
               </a:ext>
             </a:extLst>
           </p:cNvPr>
@@ -3092,7 +3091,7 @@
           <p:cNvPr id="3" name="Text Placeholder 2">
             <a:extLst>
               <a:ext uri="{FF2B5EF4-FFF2-40B4-BE49-F238E27FC236}">
-                <a16:creationId xmlns:a16="http://schemas.microsoft.com/office/drawing/2014/main" id="{81F34B22-10EC-C970-0CA4-B2EEE5D4462F}"/>
+                <a16:creationId xmlns:a16="http://schemas.microsoft.com/office/drawing/2014/main" xmlns="" id="{81F34B22-10EC-C970-0CA4-B2EEE5D4462F}"/>
               </a:ext>
             </a:extLst>
           </p:cNvPr>
@@ -3160,7 +3159,7 @@
           <p:cNvPr id="4" name="Date Placeholder 3">
             <a:extLst>
               <a:ext uri="{FF2B5EF4-FFF2-40B4-BE49-F238E27FC236}">
-                <a16:creationId xmlns:a16="http://schemas.microsoft.com/office/drawing/2014/main" id="{EB568B27-F4D1-8804-8F24-49F4B5CF6401}"/>
+                <a16:creationId xmlns:a16="http://schemas.microsoft.com/office/drawing/2014/main" xmlns="" id="{EB568B27-F4D1-8804-8F24-49F4B5CF6401}"/>
               </a:ext>
             </a:extLst>
           </p:cNvPr>
@@ -3196,7 +3195,7 @@
           <a:p>
             <a:fld id="{6670FE10-F406-47AF-8AE1-E9BA4C7E25F2}" type="datetimeFigureOut">
               <a:rPr lang="en-GB" smtClean="0"/>
-              <a:t>06/12/2022</a:t>
+              <a:t>02/02/2024</a:t>
             </a:fld>
             <a:endParaRPr lang="en-GB"/>
           </a:p>
@@ -3207,7 +3206,7 @@
           <p:cNvPr id="5" name="Footer Placeholder 4">
             <a:extLst>
               <a:ext uri="{FF2B5EF4-FFF2-40B4-BE49-F238E27FC236}">
-                <a16:creationId xmlns:a16="http://schemas.microsoft.com/office/drawing/2014/main" id="{0FE3C49D-7C0D-DBB2-ECF5-D83556B8653A}"/>
+                <a16:creationId xmlns:a16="http://schemas.microsoft.com/office/drawing/2014/main" xmlns="" id="{0FE3C49D-7C0D-DBB2-ECF5-D83556B8653A}"/>
               </a:ext>
             </a:extLst>
           </p:cNvPr>
@@ -3250,7 +3249,7 @@
           <p:cNvPr id="6" name="Slide Number Placeholder 5">
             <a:extLst>
               <a:ext uri="{FF2B5EF4-FFF2-40B4-BE49-F238E27FC236}">
-                <a16:creationId xmlns:a16="http://schemas.microsoft.com/office/drawing/2014/main" id="{C8EB63AB-DEAA-1B23-7F83-4CF51358DAA8}"/>
+                <a16:creationId xmlns:a16="http://schemas.microsoft.com/office/drawing/2014/main" xmlns="" id="{C8EB63AB-DEAA-1B23-7F83-4CF51358DAA8}"/>
               </a:ext>
             </a:extLst>
           </p:cNvPr>
@@ -3618,7 +3617,7 @@
           <p:cNvPr id="2" name="Title 1">
             <a:extLst>
               <a:ext uri="{FF2B5EF4-FFF2-40B4-BE49-F238E27FC236}">
-                <a16:creationId xmlns:a16="http://schemas.microsoft.com/office/drawing/2014/main" id="{EE0BCD4D-82A1-5AD0-053C-2CF73DA5B647}"/>
+                <a16:creationId xmlns:a16="http://schemas.microsoft.com/office/drawing/2014/main" xmlns="" id="{EE0BCD4D-82A1-5AD0-053C-2CF73DA5B647}"/>
               </a:ext>
             </a:extLst>
           </p:cNvPr>
@@ -3629,127 +3628,183 @@
             <p:ph type="ctrTitle"/>
           </p:nvPr>
         </p:nvSpPr>
+        <p:spPr>
+          <a:xfrm>
+            <a:off x="1524000" y="656824"/>
+            <a:ext cx="9144000" cy="914400"/>
+          </a:xfrm>
+        </p:spPr>
+        <p:txBody>
+          <a:bodyPr>
+            <a:normAutofit/>
+          </a:bodyPr>
+          <a:lstStyle/>
+          <a:p>
+            <a:r>
+              <a:rPr lang="en-GB" dirty="0" smtClean="0"/>
+              <a:t>Reports from 2017-244</a:t>
+            </a:r>
+            <a:endParaRPr lang="en-GB" dirty="0"/>
+          </a:p>
+        </p:txBody>
+      </p:sp>
+      <p:sp>
+        <p:nvSpPr>
+          <p:cNvPr id="3" name="Subtitle 2">
+            <a:extLst>
+              <a:ext uri="{FF2B5EF4-FFF2-40B4-BE49-F238E27FC236}">
+                <a16:creationId xmlns:a16="http://schemas.microsoft.com/office/drawing/2014/main" xmlns="" id="{7730DC87-B7BC-1B7B-AB86-8B0F1FACBC23}"/>
+              </a:ext>
+            </a:extLst>
+          </p:cNvPr>
+          <p:cNvSpPr>
+            <a:spLocks noGrp="1"/>
+          </p:cNvSpPr>
+          <p:nvPr>
+            <p:ph type="subTitle" idx="1"/>
+          </p:nvPr>
+        </p:nvSpPr>
         <p:spPr/>
         <p:txBody>
           <a:bodyPr/>
           <a:lstStyle/>
           <a:p>
-            <a:r>
-              <a:rPr lang="en-GB" dirty="0"/>
-              <a:t>TITLE</a:t>
-            </a:r>
-          </a:p>
-        </p:txBody>
-      </p:sp>
-      <p:sp>
-        <p:nvSpPr>
-          <p:cNvPr id="3" name="Subtitle 2">
-            <a:extLst>
-              <a:ext uri="{FF2B5EF4-FFF2-40B4-BE49-F238E27FC236}">
-                <a16:creationId xmlns:a16="http://schemas.microsoft.com/office/drawing/2014/main" id="{7730DC87-B7BC-1B7B-AB86-8B0F1FACBC23}"/>
-              </a:ext>
-            </a:extLst>
-          </p:cNvPr>
-          <p:cNvSpPr>
-            <a:spLocks noGrp="1"/>
-          </p:cNvSpPr>
-          <p:nvPr>
-            <p:ph type="subTitle" idx="1"/>
-          </p:nvPr>
-        </p:nvSpPr>
-        <p:spPr/>
-        <p:txBody>
-          <a:bodyPr/>
-          <a:lstStyle/>
-          <a:p>
             <a:endParaRPr lang="en-GB" dirty="0"/>
           </a:p>
         </p:txBody>
       </p:sp>
+      <p:pic>
+        <p:nvPicPr>
+          <p:cNvPr id="1026" name="Picture 2"/>
+          <p:cNvPicPr>
+            <a:picLocks noChangeAspect="1" noChangeArrowheads="1"/>
+          </p:cNvPicPr>
+          <p:nvPr/>
+        </p:nvPicPr>
+        <p:blipFill>
+          <a:blip r:embed="rId2">
+            <a:extLst>
+              <a:ext uri="{28A0092B-C50C-407E-A947-70E740481C1C}">
+                <a14:useLocalDpi xmlns:a14="http://schemas.microsoft.com/office/drawing/2010/main" val="0"/>
+              </a:ext>
+            </a:extLst>
+          </a:blip>
+          <a:srcRect/>
+          <a:stretch>
+            <a:fillRect/>
+          </a:stretch>
+        </p:blipFill>
+        <p:spPr bwMode="auto">
+          <a:xfrm>
+            <a:off x="1381373" y="1948556"/>
+            <a:ext cx="4667250" cy="4667250"/>
+          </a:xfrm>
+          <a:prstGeom prst="rect">
+            <a:avLst/>
+          </a:prstGeom>
+          <a:noFill/>
+          <a:ln>
+            <a:noFill/>
+          </a:ln>
+          <a:effectLst/>
+          <a:extLst>
+            <a:ext uri="{909E8E84-426E-40DD-AFC4-6F175D3DCCD1}">
+              <a14:hiddenFill xmlns:a14="http://schemas.microsoft.com/office/drawing/2010/main">
+                <a:solidFill>
+                  <a:schemeClr val="accent1"/>
+                </a:solidFill>
+              </a14:hiddenFill>
+            </a:ext>
+            <a:ext uri="{91240B29-F687-4F45-9708-019B960494DF}">
+              <a14:hiddenLine xmlns:a14="http://schemas.microsoft.com/office/drawing/2010/main" w="9525">
+                <a:solidFill>
+                  <a:schemeClr val="tx1"/>
+                </a:solidFill>
+                <a:miter lim="800000"/>
+                <a:headEnd/>
+                <a:tailEnd/>
+              </a14:hiddenLine>
+            </a:ext>
+            <a:ext uri="{AF507438-7753-43E0-B8FC-AC1667EBCBE1}">
+              <a14:hiddenEffects xmlns:a14="http://schemas.microsoft.com/office/drawing/2010/main">
+                <a:effectLst>
+                  <a:outerShdw dist="35921" dir="2700000" algn="ctr" rotWithShape="0">
+                    <a:schemeClr val="bg2"/>
+                  </a:outerShdw>
+                </a:effectLst>
+              </a14:hiddenEffects>
+            </a:ext>
+          </a:extLst>
+        </p:spPr>
+      </p:pic>
+      <p:pic>
+        <p:nvPicPr>
+          <p:cNvPr id="1027" name="Picture 3"/>
+          <p:cNvPicPr>
+            <a:picLocks noChangeAspect="1" noChangeArrowheads="1"/>
+          </p:cNvPicPr>
+          <p:nvPr/>
+        </p:nvPicPr>
+        <p:blipFill>
+          <a:blip r:embed="rId3">
+            <a:extLst>
+              <a:ext uri="{28A0092B-C50C-407E-A947-70E740481C1C}">
+                <a14:useLocalDpi xmlns:a14="http://schemas.microsoft.com/office/drawing/2010/main" val="0"/>
+              </a:ext>
+            </a:extLst>
+          </a:blip>
+          <a:srcRect/>
+          <a:stretch>
+            <a:fillRect/>
+          </a:stretch>
+        </p:blipFill>
+        <p:spPr bwMode="auto">
+          <a:xfrm>
+            <a:off x="6048623" y="1948555"/>
+            <a:ext cx="4657725" cy="4657725"/>
+          </a:xfrm>
+          <a:prstGeom prst="rect">
+            <a:avLst/>
+          </a:prstGeom>
+          <a:noFill/>
+          <a:ln>
+            <a:noFill/>
+          </a:ln>
+          <a:effectLst/>
+          <a:extLst>
+            <a:ext uri="{909E8E84-426E-40DD-AFC4-6F175D3DCCD1}">
+              <a14:hiddenFill xmlns:a14="http://schemas.microsoft.com/office/drawing/2010/main">
+                <a:solidFill>
+                  <a:schemeClr val="accent1"/>
+                </a:solidFill>
+              </a14:hiddenFill>
+            </a:ext>
+            <a:ext uri="{91240B29-F687-4F45-9708-019B960494DF}">
+              <a14:hiddenLine xmlns:a14="http://schemas.microsoft.com/office/drawing/2010/main" w="9525">
+                <a:solidFill>
+                  <a:schemeClr val="tx1"/>
+                </a:solidFill>
+                <a:miter lim="800000"/>
+                <a:headEnd/>
+                <a:tailEnd/>
+              </a14:hiddenLine>
+            </a:ext>
+            <a:ext uri="{AF507438-7753-43E0-B8FC-AC1667EBCBE1}">
+              <a14:hiddenEffects xmlns:a14="http://schemas.microsoft.com/office/drawing/2010/main">
+                <a:effectLst>
+                  <a:outerShdw dist="35921" dir="2700000" algn="ctr" rotWithShape="0">
+                    <a:schemeClr val="bg2"/>
+                  </a:outerShdw>
+                </a:effectLst>
+              </a14:hiddenEffects>
+            </a:ext>
+          </a:extLst>
+        </p:spPr>
+      </p:pic>
     </p:spTree>
     <p:extLst>
       <p:ext uri="{BB962C8B-B14F-4D97-AF65-F5344CB8AC3E}">
         <p14:creationId xmlns:p14="http://schemas.microsoft.com/office/powerpoint/2010/main" val="1492306933"/>
-      </p:ext>
-    </p:extLst>
-  </p:cSld>
-  <p:clrMapOvr>
-    <a:masterClrMapping/>
-  </p:clrMapOvr>
-</p:sld>
-</file>
-
-<file path=ppt/slides/slide2.xml><?xml version="1.0" encoding="utf-8"?>
-<p:sld xmlns:a="http://schemas.openxmlformats.org/drawingml/2006/main" xmlns:r="http://schemas.openxmlformats.org/officeDocument/2006/relationships" xmlns:p="http://schemas.openxmlformats.org/presentationml/2006/main">
-  <p:cSld>
-    <p:spTree>
-      <p:nvGrpSpPr>
-        <p:cNvPr id="1" name=""/>
-        <p:cNvGrpSpPr/>
-        <p:nvPr/>
-      </p:nvGrpSpPr>
-      <p:grpSpPr>
-        <a:xfrm>
-          <a:off x="0" y="0"/>
-          <a:ext cx="0" cy="0"/>
-          <a:chOff x="0" y="0"/>
-          <a:chExt cx="0" cy="0"/>
-        </a:xfrm>
-      </p:grpSpPr>
-      <p:sp>
-        <p:nvSpPr>
-          <p:cNvPr id="2" name="Title 1">
-            <a:extLst>
-              <a:ext uri="{FF2B5EF4-FFF2-40B4-BE49-F238E27FC236}">
-                <a16:creationId xmlns:a16="http://schemas.microsoft.com/office/drawing/2014/main" id="{7BDADD12-D653-7463-3EAD-70846DE1F2CC}"/>
-              </a:ext>
-            </a:extLst>
-          </p:cNvPr>
-          <p:cNvSpPr>
-            <a:spLocks noGrp="1"/>
-          </p:cNvSpPr>
-          <p:nvPr>
-            <p:ph type="title"/>
-          </p:nvPr>
-        </p:nvSpPr>
-        <p:spPr/>
-        <p:txBody>
-          <a:bodyPr/>
-          <a:lstStyle/>
-          <a:p>
-            <a:endParaRPr lang="en-GB"/>
-          </a:p>
-        </p:txBody>
-      </p:sp>
-      <p:sp>
-        <p:nvSpPr>
-          <p:cNvPr id="3" name="Content Placeholder 2">
-            <a:extLst>
-              <a:ext uri="{FF2B5EF4-FFF2-40B4-BE49-F238E27FC236}">
-                <a16:creationId xmlns:a16="http://schemas.microsoft.com/office/drawing/2014/main" id="{4B7DE7AA-9B0B-5A8C-C9D3-A89360AA97ED}"/>
-              </a:ext>
-            </a:extLst>
-          </p:cNvPr>
-          <p:cNvSpPr>
-            <a:spLocks noGrp="1"/>
-          </p:cNvSpPr>
-          <p:nvPr>
-            <p:ph idx="1"/>
-          </p:nvPr>
-        </p:nvSpPr>
-        <p:spPr/>
-        <p:txBody>
-          <a:bodyPr/>
-          <a:lstStyle/>
-          <a:p>
-            <a:endParaRPr lang="en-GB"/>
-          </a:p>
-        </p:txBody>
-      </p:sp>
-    </p:spTree>
-    <p:extLst>
-      <p:ext uri="{BB962C8B-B14F-4D97-AF65-F5344CB8AC3E}">
-        <p14:creationId xmlns:p14="http://schemas.microsoft.com/office/powerpoint/2010/main" val="1911081705"/>
       </p:ext>
     </p:extLst>
   </p:cSld>
@@ -3802,7 +3857,7 @@
     </a:clrScheme>
     <a:fontScheme name="Office">
       <a:majorFont>
-        <a:latin typeface="Calibri Light" panose="020F0302020204030204"/>
+        <a:latin typeface="Calibri Light"/>
         <a:ea typeface=""/>
         <a:cs typeface=""/>
         <a:font script="Jpan" typeface="游ゴシック Light"/>
@@ -3854,7 +3909,7 @@
         <a:font script="Tfng" typeface="Ebrima"/>
       </a:majorFont>
       <a:minorFont>
-        <a:latin typeface="Calibri" panose="020F0502020204030204"/>
+        <a:latin typeface="Calibri"/>
         <a:ea typeface=""/>
         <a:cs typeface=""/>
         <a:font script="Jpan" typeface="游ゴシック"/>
@@ -4048,7 +4103,7 @@
   <a:extraClrSchemeLst/>
   <a:extLst>
     <a:ext uri="{05A4C25C-085E-4340-85A3-A5531E510DB2}">
-      <thm15:themeFamily xmlns:thm15="http://schemas.microsoft.com/office/thememl/2012/main" name="Office Theme" id="{62F939B6-93AF-4DB8-9C6B-D6C7DFDC589F}" vid="{4A3C46E8-61CC-4603-A589-7422A47A8E4A}"/>
+      <thm15:themeFamily xmlns:thm15="http://schemas.microsoft.com/office/thememl/2012/main" xmlns="" name="Office Theme" id="{62F939B6-93AF-4DB8-9C6B-D6C7DFDC589F}" vid="{4A3C46E8-61CC-4603-A589-7422A47A8E4A}"/>
     </a:ext>
   </a:extLst>
 </a:theme>
